--- a/Box Labels Recolored.pptx
+++ b/Box Labels Recolored.pptx
@@ -117,7 +117,7 @@
 <file path=ppt/revisionInfo.xml><?xml version="1.0" encoding="utf-8"?>
 <p1510:revInfo xmlns:a="http://schemas.openxmlformats.org/drawingml/2006/main" xmlns:r="http://schemas.openxmlformats.org/officeDocument/2006/relationships" xmlns:p1510="http://schemas.microsoft.com/office/powerpoint/2015/10/main">
   <p1510:revLst>
-    <p1510:client id="{8D4C133F-58C7-4C5E-8C1B-37CBD176C5BF}" v="7" dt="2019-12-26T19:13:06.898"/>
+    <p1510:client id="{DA981D33-77A8-4801-8C9A-1E1698D2162A}" v="5" dt="2020-03-21T19:26:32.333"/>
   </p1510:revLst>
 </p1510:revInfo>
 </file>
@@ -143,6 +143,38 @@
             <pc:docMk/>
             <pc:sldMk cId="2060342232" sldId="265"/>
             <ac:spMk id="70" creationId="{CBC015C4-CC18-4270-9F41-43E7102A192F}"/>
+          </ac:spMkLst>
+        </pc:spChg>
+      </pc:sldChg>
+    </pc:docChg>
+  </pc:docChgLst>
+  <pc:docChgLst>
+    <pc:chgData name="Andrey Risukhin" userId="5006069cf63e062e" providerId="LiveId" clId="{DA981D33-77A8-4801-8C9A-1E1698D2162A}"/>
+    <pc:docChg chg="modSld">
+      <pc:chgData name="Andrey Risukhin" userId="5006069cf63e062e" providerId="LiveId" clId="{DA981D33-77A8-4801-8C9A-1E1698D2162A}" dt="2020-03-21T19:26:32.333" v="9"/>
+      <pc:docMkLst>
+        <pc:docMk/>
+      </pc:docMkLst>
+      <pc:sldChg chg="addSp delSp modSp mod">
+        <pc:chgData name="Andrey Risukhin" userId="5006069cf63e062e" providerId="LiveId" clId="{DA981D33-77A8-4801-8C9A-1E1698D2162A}" dt="2020-03-21T19:26:32.333" v="9"/>
+        <pc:sldMkLst>
+          <pc:docMk/>
+          <pc:sldMk cId="2060342232" sldId="265"/>
+        </pc:sldMkLst>
+        <pc:spChg chg="add del mod">
+          <ac:chgData name="Andrey Risukhin" userId="5006069cf63e062e" providerId="LiveId" clId="{DA981D33-77A8-4801-8C9A-1E1698D2162A}" dt="2020-03-21T19:26:09.999" v="1" actId="11529"/>
+          <ac:spMkLst>
+            <pc:docMk/>
+            <pc:sldMk cId="2060342232" sldId="265"/>
+            <ac:spMk id="21" creationId="{254F1D9F-B4B9-4839-B33A-066DD5C702FF}"/>
+          </ac:spMkLst>
+        </pc:spChg>
+        <pc:spChg chg="mod">
+          <ac:chgData name="Andrey Risukhin" userId="5006069cf63e062e" providerId="LiveId" clId="{DA981D33-77A8-4801-8C9A-1E1698D2162A}" dt="2020-03-21T19:26:32.333" v="9"/>
+          <ac:spMkLst>
+            <pc:docMk/>
+            <pc:sldMk cId="2060342232" sldId="265"/>
+            <ac:spMk id="71" creationId="{5DD3BB36-429B-45B7-BBD6-FF262A7515B2}"/>
           </ac:spMkLst>
         </pc:spChg>
       </pc:sldChg>
@@ -361,7 +393,7 @@
           <a:p>
             <a:fld id="{F2341FD9-3679-48CA-9064-C1D5BB64815A}" type="datetimeFigureOut">
               <a:rPr lang="en-US" smtClean="0"/>
-              <a:t>12/26/2019</a:t>
+              <a:t>3/20/2020</a:t>
             </a:fld>
             <a:endParaRPr lang="en-US"/>
           </a:p>
@@ -531,7 +563,7 @@
           <a:p>
             <a:fld id="{F2341FD9-3679-48CA-9064-C1D5BB64815A}" type="datetimeFigureOut">
               <a:rPr lang="en-US" smtClean="0"/>
-              <a:t>12/26/2019</a:t>
+              <a:t>3/20/2020</a:t>
             </a:fld>
             <a:endParaRPr lang="en-US"/>
           </a:p>
@@ -711,7 +743,7 @@
           <a:p>
             <a:fld id="{F2341FD9-3679-48CA-9064-C1D5BB64815A}" type="datetimeFigureOut">
               <a:rPr lang="en-US" smtClean="0"/>
-              <a:t>12/26/2019</a:t>
+              <a:t>3/20/2020</a:t>
             </a:fld>
             <a:endParaRPr lang="en-US"/>
           </a:p>
@@ -881,7 +913,7 @@
           <a:p>
             <a:fld id="{F2341FD9-3679-48CA-9064-C1D5BB64815A}" type="datetimeFigureOut">
               <a:rPr lang="en-US" smtClean="0"/>
-              <a:t>12/26/2019</a:t>
+              <a:t>3/20/2020</a:t>
             </a:fld>
             <a:endParaRPr lang="en-US"/>
           </a:p>
@@ -1125,7 +1157,7 @@
           <a:p>
             <a:fld id="{F2341FD9-3679-48CA-9064-C1D5BB64815A}" type="datetimeFigureOut">
               <a:rPr lang="en-US" smtClean="0"/>
-              <a:t>12/26/2019</a:t>
+              <a:t>3/20/2020</a:t>
             </a:fld>
             <a:endParaRPr lang="en-US"/>
           </a:p>
@@ -1357,7 +1389,7 @@
           <a:p>
             <a:fld id="{F2341FD9-3679-48CA-9064-C1D5BB64815A}" type="datetimeFigureOut">
               <a:rPr lang="en-US" smtClean="0"/>
-              <a:t>12/26/2019</a:t>
+              <a:t>3/20/2020</a:t>
             </a:fld>
             <a:endParaRPr lang="en-US"/>
           </a:p>
@@ -1724,7 +1756,7 @@
           <a:p>
             <a:fld id="{F2341FD9-3679-48CA-9064-C1D5BB64815A}" type="datetimeFigureOut">
               <a:rPr lang="en-US" smtClean="0"/>
-              <a:t>12/26/2019</a:t>
+              <a:t>3/20/2020</a:t>
             </a:fld>
             <a:endParaRPr lang="en-US"/>
           </a:p>
@@ -1842,7 +1874,7 @@
           <a:p>
             <a:fld id="{F2341FD9-3679-48CA-9064-C1D5BB64815A}" type="datetimeFigureOut">
               <a:rPr lang="en-US" smtClean="0"/>
-              <a:t>12/26/2019</a:t>
+              <a:t>3/20/2020</a:t>
             </a:fld>
             <a:endParaRPr lang="en-US"/>
           </a:p>
@@ -1937,7 +1969,7 @@
           <a:p>
             <a:fld id="{F2341FD9-3679-48CA-9064-C1D5BB64815A}" type="datetimeFigureOut">
               <a:rPr lang="en-US" smtClean="0"/>
-              <a:t>12/26/2019</a:t>
+              <a:t>3/20/2020</a:t>
             </a:fld>
             <a:endParaRPr lang="en-US"/>
           </a:p>
@@ -2214,7 +2246,7 @@
           <a:p>
             <a:fld id="{F2341FD9-3679-48CA-9064-C1D5BB64815A}" type="datetimeFigureOut">
               <a:rPr lang="en-US" smtClean="0"/>
-              <a:t>12/26/2019</a:t>
+              <a:t>3/20/2020</a:t>
             </a:fld>
             <a:endParaRPr lang="en-US"/>
           </a:p>
@@ -2471,7 +2503,7 @@
           <a:p>
             <a:fld id="{F2341FD9-3679-48CA-9064-C1D5BB64815A}" type="datetimeFigureOut">
               <a:rPr lang="en-US" smtClean="0"/>
-              <a:t>12/26/2019</a:t>
+              <a:t>3/20/2020</a:t>
             </a:fld>
             <a:endParaRPr lang="en-US"/>
           </a:p>
@@ -2684,7 +2716,7 @@
           <a:p>
             <a:fld id="{F2341FD9-3679-48CA-9064-C1D5BB64815A}" type="datetimeFigureOut">
               <a:rPr lang="en-US" smtClean="0"/>
-              <a:t>12/26/2019</a:t>
+              <a:t>3/20/2020</a:t>
             </a:fld>
             <a:endParaRPr lang="en-US"/>
           </a:p>
@@ -6402,7 +6434,7 @@
         <p:spPr>
           <a:xfrm>
             <a:off x="3856632" y="1518436"/>
-            <a:ext cx="434373" cy="276999"/>
+            <a:ext cx="434373" cy="461665"/>
           </a:xfrm>
           <a:prstGeom prst="rect">
             <a:avLst/>
@@ -6417,8 +6449,17 @@
           <a:p>
             <a:r>
               <a:rPr lang="en-US" sz="1200" dirty="0"/>
+              <a:t>B8 </a:t>
+            </a:r>
+            <a:r>
+              <a:rPr lang="en-US" sz="1200" dirty="0">
+                <a:solidFill>
+                  <a:srgbClr val="FF0000"/>
+                </a:solidFill>
+              </a:rPr>
               <a:t>B13</a:t>
             </a:r>
+            <a:endParaRPr lang="en-US" sz="1200" dirty="0"/>
           </a:p>
         </p:txBody>
       </p:sp>
